--- a/Experience 1 - Launchpad and 2K Traction Grant/Experience 1 Presentation.pptx
+++ b/Experience 1 - Launchpad and 2K Traction Grant/Experience 1 Presentation.pptx
@@ -105,6 +105,11 @@
       </a:defRPr>
     </a:lvl9pPr>
   </p:defaultTextStyle>
+  <p:extLst>
+    <p:ext uri="{EFAFB233-063F-42B5-8137-9DF3F51BA10A}">
+      <p15:sldGuideLst xmlns:p15="http://schemas.microsoft.com/office/powerpoint/2012/main"/>
+    </p:ext>
+  </p:extLst>
 </p:presentation>
 </file>
 
@@ -3479,16 +3484,18 @@
         </p:nvSpPr>
         <p:spPr/>
         <p:txBody>
-          <a:bodyPr/>
+          <a:bodyPr>
+            <a:normAutofit lnSpcReduction="10000"/>
+          </a:bodyPr>
           <a:lstStyle/>
           <a:p>
             <a:r>
               <a:rPr lang="en-US" dirty="0"/>
-              <a:t>Intro to experience – 2020 </a:t>
-            </a:r>
-            <a:r>
-              <a:rPr lang="en-US" dirty="0" err="1"/>
-              <a:t>lcokdown</a:t>
+              <a:t>Intro to experience – </a:t>
+            </a:r>
+            <a:r>
+              <a:rPr lang="en-US"/>
+              <a:t>2020 lockdown</a:t>
             </a:r>
             <a:r>
               <a:rPr lang="en-US" dirty="0"/>
@@ -3523,6 +3530,18 @@
             <a:r>
               <a:rPr lang="en-US" dirty="0"/>
               <a:t>Next steps</a:t>
+            </a:r>
+          </a:p>
+          <a:p>
+            <a:r>
+              <a:rPr lang="en-US" dirty="0"/>
+              <a:t>Highlight Weidman Center leadership principles</a:t>
+            </a:r>
+          </a:p>
+          <a:p>
+            <a:r>
+              <a:rPr lang="en-US" dirty="0"/>
+              <a:t>Q&amp;A</a:t>
             </a:r>
           </a:p>
         </p:txBody>
